--- a/20180410 Presentation.pptx
+++ b/20180410 Presentation.pptx
@@ -238,7 +238,7 @@
             <a:fld id="{B00639AD-B8A4-184C-A4E1-BEADC09F6DAF}" type="datetime1">
               <a:rPr lang="en-US" smtClean="0"/>
               <a:pPr/>
-              <a:t>4/10/2018</a:t>
+              <a:t>4/11/2018</a:t>
             </a:fld>
             <a:endParaRPr lang="en-US" dirty="0"/>
           </a:p>
@@ -406,7 +406,7 @@
             <a:fld id="{F83F4F37-61CD-E746-BD4A-EB3A9873AB35}" type="datetime1">
               <a:rPr lang="en-US" smtClean="0"/>
               <a:pPr/>
-              <a:t>4/10/2018</a:t>
+              <a:t>4/11/2018</a:t>
             </a:fld>
             <a:endParaRPr lang="en-US" dirty="0"/>
           </a:p>
@@ -5642,7 +5642,7 @@
                   <a:srgbClr val="E57200"/>
                 </a:solidFill>
               </a:rPr>
-              <a:t>April 10, 2018</a:t>
+              <a:t>April 11, 2018</a:t>
             </a:fld>
             <a:endParaRPr lang="en-US" sz="2800" dirty="0">
               <a:solidFill>
@@ -9574,8 +9574,8 @@
         </p:blipFill>
         <p:spPr bwMode="auto">
           <a:xfrm>
-            <a:off x="146842" y="2583056"/>
-            <a:ext cx="3286760" cy="1110171"/>
+            <a:off x="372427" y="2972661"/>
+            <a:ext cx="2133299" cy="720566"/>
           </a:xfrm>
           <a:prstGeom prst="rect">
             <a:avLst/>
@@ -9619,7 +9619,7 @@
         </p:blipFill>
         <p:spPr bwMode="auto">
           <a:xfrm>
-            <a:off x="552450" y="3693227"/>
+            <a:off x="1105692" y="3660217"/>
             <a:ext cx="2327910" cy="920818"/>
           </a:xfrm>
           <a:prstGeom prst="rect">
@@ -9666,7 +9666,7 @@
         </p:blipFill>
         <p:spPr bwMode="auto">
           <a:xfrm>
-            <a:off x="4121148" y="897142"/>
+            <a:off x="4617001" y="579872"/>
             <a:ext cx="1589252" cy="1589252"/>
           </a:xfrm>
           <a:prstGeom prst="rect">
@@ -9762,6 +9762,53 @@
           <a:xfrm>
             <a:off x="6017380" y="2382457"/>
             <a:ext cx="2857500" cy="962025"/>
+          </a:xfrm>
+          <a:prstGeom prst="rect">
+            <a:avLst/>
+          </a:prstGeom>
+          <a:noFill/>
+          <a:extLst>
+            <a:ext uri="{909E8E84-426E-40DD-AFC4-6F175D3DCCD1}">
+              <a14:hiddenFill xmlns:a14="http://schemas.microsoft.com/office/drawing/2010/main">
+                <a:solidFill>
+                  <a:srgbClr val="FFFFFF"/>
+                </a:solidFill>
+              </a14:hiddenFill>
+            </a:ext>
+          </a:extLst>
+        </p:spPr>
+      </p:pic>
+      <p:pic>
+        <p:nvPicPr>
+          <p:cNvPr id="2" name="Picture 2" descr="Image result for sas">
+            <a:extLst>
+              <a:ext uri="{FF2B5EF4-FFF2-40B4-BE49-F238E27FC236}">
+                <a16:creationId xmlns:a16="http://schemas.microsoft.com/office/drawing/2014/main" id="{526D4C91-4FF4-4AB2-80CF-F904F27DCA08}"/>
+              </a:ext>
+            </a:extLst>
+          </p:cNvPr>
+          <p:cNvPicPr>
+            <a:picLocks noChangeAspect="1" noChangeArrowheads="1"/>
+          </p:cNvPicPr>
+          <p:nvPr/>
+        </p:nvPicPr>
+        <p:blipFill>
+          <a:blip r:embed="rId10">
+            <a:extLst>
+              <a:ext uri="{28A0092B-C50C-407E-A947-70E740481C1C}">
+                <a14:useLocalDpi xmlns:a14="http://schemas.microsoft.com/office/drawing/2010/main" val="0"/>
+              </a:ext>
+            </a:extLst>
+          </a:blip>
+          <a:srcRect/>
+          <a:stretch>
+            <a:fillRect/>
+          </a:stretch>
+        </p:blipFill>
+        <p:spPr bwMode="auto">
+          <a:xfrm>
+            <a:off x="2530974" y="2281195"/>
+            <a:ext cx="1686218" cy="691466"/>
           </a:xfrm>
           <a:prstGeom prst="rect">
             <a:avLst/>
